--- a/其他ppt等/创客中国区块链大赛赛前培训.pptx
+++ b/其他ppt等/创客中国区块链大赛赛前培训.pptx
@@ -132,6 +132,22 @@
       </a:defRPr>
     </a:lvl9pPr>
   </p:defaultTextStyle>
+  <p:extLst>
+    <p:ext uri="{EFAFB233-063F-42B5-8137-9DF3F51BA10A}">
+      <p15:sldGuideLst xmlns:p15="http://schemas.microsoft.com/office/powerpoint/2012/main">
+        <p15:guide id="1" orient="horz" pos="2138" userDrawn="1">
+          <p15:clr>
+            <a:srgbClr val="A4A3A4"/>
+          </p15:clr>
+        </p15:guide>
+        <p15:guide id="2" pos="3805" userDrawn="1">
+          <p15:clr>
+            <a:srgbClr val="A4A3A4"/>
+          </p15:clr>
+        </p15:guide>
+      </p15:sldGuideLst>
+    </p:ext>
+  </p:extLst>
 </p:presentation>
 </file>
 
@@ -28193,10 +28209,14 @@
           <p:cNvPicPr>
             <a:picLocks noChangeAspect="1"/>
           </p:cNvPicPr>
-          <p:nvPr/>
+          <p:nvPr>
+            <p:custDataLst>
+              <p:tags r:id="rId5"/>
+            </p:custDataLst>
+          </p:nvPr>
         </p:nvPicPr>
         <p:blipFill>
-          <a:blip r:embed="rId5"/>
+          <a:blip r:embed="rId6"/>
           <a:stretch>
             <a:fillRect/>
           </a:stretch>
@@ -28250,7 +28270,7 @@
       </p:sp>
     </p:spTree>
     <p:custDataLst>
-      <p:tags r:id="rId6"/>
+      <p:tags r:id="rId7"/>
     </p:custDataLst>
   </p:cSld>
   <p:clrMapOvr>
@@ -28278,48 +28298,18 @@
       </p:grpSpPr>
       <p:pic>
         <p:nvPicPr>
-          <p:cNvPr id="6" name="图片 5"/>
-          <p:cNvPicPr>
-            <a:picLocks noChangeAspect="1"/>
-          </p:cNvPicPr>
-          <p:nvPr userDrawn="1"/>
-        </p:nvPicPr>
-        <p:blipFill>
-          <a:blip r:embed="rId1">
-            <a:extLst>
-              <a:ext uri="{28A0092B-C50C-407E-A947-70E740481C1C}">
-                <a14:useLocalDpi xmlns:a14="http://schemas.microsoft.com/office/drawing/2010/main" val="0"/>
-              </a:ext>
-            </a:extLst>
-          </a:blip>
-          <a:stretch>
-            <a:fillRect/>
-          </a:stretch>
-        </p:blipFill>
-        <p:spPr>
-          <a:xfrm>
-            <a:off x="0" y="0"/>
-            <a:ext cx="12192000" cy="6858000"/>
-          </a:xfrm>
-          <a:prstGeom prst="rect">
-            <a:avLst/>
-          </a:prstGeom>
-        </p:spPr>
-      </p:pic>
-      <p:pic>
-        <p:nvPicPr>
           <p:cNvPr id="7" name="图片 6"/>
           <p:cNvPicPr>
             <a:picLocks noChangeAspect="1"/>
           </p:cNvPicPr>
           <p:nvPr userDrawn="1">
             <p:custDataLst>
-              <p:tags r:id="rId2"/>
+              <p:tags r:id="rId1"/>
             </p:custDataLst>
           </p:nvPr>
         </p:nvPicPr>
         <p:blipFill>
-          <a:blip r:embed="rId3" cstate="print">
+          <a:blip r:embed="rId2" cstate="print">
             <a:extLst>
               <a:ext uri="{28A0092B-C50C-407E-A947-70E740481C1C}">
                 <a14:useLocalDpi xmlns:a14="http://schemas.microsoft.com/office/drawing/2010/main" val="0"/>
@@ -28349,7 +28339,7 @@
           <p:nvPr userDrawn="1"/>
         </p:nvPicPr>
         <p:blipFill>
-          <a:blip r:embed="rId4" cstate="print">
+          <a:blip r:embed="rId3" cstate="print">
             <a:extLst>
               <a:ext uri="{28A0092B-C50C-407E-A947-70E740481C1C}">
                 <a14:useLocalDpi xmlns:a14="http://schemas.microsoft.com/office/drawing/2010/main" val="0"/>
@@ -29071,7 +29061,7 @@
       </p:sp>
     </p:spTree>
     <p:custDataLst>
-      <p:tags r:id="rId5"/>
+      <p:tags r:id="rId4"/>
     </p:custDataLst>
   </p:cSld>
   <p:clrMapOvr>
@@ -31976,48 +31966,18 @@
       </p:grpSpPr>
       <p:pic>
         <p:nvPicPr>
-          <p:cNvPr id="6" name="图片 5"/>
-          <p:cNvPicPr>
-            <a:picLocks noChangeAspect="1"/>
-          </p:cNvPicPr>
-          <p:nvPr userDrawn="1"/>
-        </p:nvPicPr>
-        <p:blipFill>
-          <a:blip r:embed="rId1">
-            <a:extLst>
-              <a:ext uri="{28A0092B-C50C-407E-A947-70E740481C1C}">
-                <a14:useLocalDpi xmlns:a14="http://schemas.microsoft.com/office/drawing/2010/main" val="0"/>
-              </a:ext>
-            </a:extLst>
-          </a:blip>
-          <a:stretch>
-            <a:fillRect/>
-          </a:stretch>
-        </p:blipFill>
-        <p:spPr>
-          <a:xfrm>
-            <a:off x="0" y="0"/>
-            <a:ext cx="12192000" cy="6858000"/>
-          </a:xfrm>
-          <a:prstGeom prst="rect">
-            <a:avLst/>
-          </a:prstGeom>
-        </p:spPr>
-      </p:pic>
-      <p:pic>
-        <p:nvPicPr>
           <p:cNvPr id="7" name="图片 6"/>
           <p:cNvPicPr>
             <a:picLocks noChangeAspect="1"/>
           </p:cNvPicPr>
           <p:nvPr userDrawn="1">
             <p:custDataLst>
-              <p:tags r:id="rId2"/>
+              <p:tags r:id="rId1"/>
             </p:custDataLst>
           </p:nvPr>
         </p:nvPicPr>
         <p:blipFill>
-          <a:blip r:embed="rId3" cstate="print">
+          <a:blip r:embed="rId2" cstate="print">
             <a:extLst>
               <a:ext uri="{28A0092B-C50C-407E-A947-70E740481C1C}">
                 <a14:useLocalDpi xmlns:a14="http://schemas.microsoft.com/office/drawing/2010/main" val="0"/>
@@ -32047,7 +32007,7 @@
           <p:nvPr userDrawn="1"/>
         </p:nvPicPr>
         <p:blipFill>
-          <a:blip r:embed="rId4" cstate="print">
+          <a:blip r:embed="rId3" cstate="print">
             <a:extLst>
               <a:ext uri="{28A0092B-C50C-407E-A947-70E740481C1C}">
                 <a14:useLocalDpi xmlns:a14="http://schemas.microsoft.com/office/drawing/2010/main" val="0"/>
@@ -33847,7 +33807,7 @@
                 </a:solidFill>
                 <a:sym typeface="+mn-ea"/>
               </a:rPr>
-              <a:t>merkle</a:t>
+              <a:t>KZG</a:t>
             </a:r>
             <a:r>
               <a:rPr lang="zh-CN" altLang="en-US" sz="1000">
@@ -33982,15 +33942,21 @@
                 </a:solidFill>
                 <a:sym typeface="+mn-ea"/>
               </a:rPr>
-              <a:t>证据上链</a:t>
-            </a:r>
-            <a:endParaRPr kumimoji="1" lang="zh-CN" altLang="en-US" sz="1000">
+              <a:t>证据</a:t>
+            </a:r>
+            <a:r>
+              <a:rPr lang="zh-CN" altLang="en-US" sz="1000">
+                <a:solidFill>
+                  <a:schemeClr val="tx1"/>
+                </a:solidFill>
+                <a:sym typeface="+mn-ea"/>
+              </a:rPr>
+              <a:t>传输</a:t>
+            </a:r>
+            <a:endParaRPr lang="zh-CN" altLang="en-US" sz="1000">
               <a:solidFill>
                 <a:schemeClr val="tx1"/>
               </a:solidFill>
-              <a:latin typeface="微软雅黑" panose="020B0503020204020204" charset="-122"/>
-              <a:ea typeface="微软雅黑" panose="020B0503020204020204" charset="-122"/>
-              <a:cs typeface="微软雅黑" panose="020B0503020204020204" charset="-122"/>
               <a:sym typeface="+mn-ea"/>
             </a:endParaRPr>
           </a:p>
@@ -35031,7 +34997,7 @@
       </p:sp>
     </p:spTree>
     <p:custDataLst>
-      <p:tags r:id="rId5"/>
+      <p:tags r:id="rId4"/>
     </p:custDataLst>
   </p:cSld>
   <p:clrMapOvr>
@@ -41190,11 +41156,32 @@
 
 <file path=ppt/tags/tag100.xml><?xml version="1.0" encoding="utf-8"?>
 <p:tagLst xmlns:p="http://schemas.openxmlformats.org/presentationml/2006/main">
+  <p:tag name="KSO_WM_SLIDE_ID" val="custom20205081_1"/>
+  <p:tag name="KSO_WM_TEMPLATE_SUBCATEGORY" val="19"/>
+  <p:tag name="KSO_WM_TEMPLATE_MASTER_TYPE" val="0"/>
+  <p:tag name="KSO_WM_TEMPLATE_COLOR_TYPE" val="1"/>
+  <p:tag name="KSO_WM_SLIDE_TYPE" val="title"/>
+  <p:tag name="KSO_WM_SLIDE_SUBTYPE" val="defaultBlank"/>
+  <p:tag name="KSO_WM_SLIDE_ITEM_CNT" val="0"/>
+  <p:tag name="KSO_WM_SLIDE_INDEX" val="1"/>
+  <p:tag name="KSO_WM_TAG_VERSION" val="1.0"/>
+  <p:tag name="KSO_WM_BEAUTIFY_FLAG" val="#wm#"/>
+  <p:tag name="KSO_WM_TEMPLATE_CATEGORY" val="custom"/>
+  <p:tag name="KSO_WM_TEMPLATE_INDEX" val="20205081"/>
+  <p:tag name="KSO_WM_SLIDE_LAYOUT" val="a_b"/>
+  <p:tag name="KSO_WM_SLIDE_LAYOUT_CNT" val="1_1"/>
+  <p:tag name="KSO_WM_UNIT_SHOW_EDIT_AREA_INDICATION" val="1"/>
+  <p:tag name="KSO_WM_TEMPLATE_THUMBS_INDEX" val="1、4、7、12、13、14、15、16、17、18、20、24、25、28、33、36、40、43、44"/>
+</p:tagLst>
+</file>
+
+<file path=ppt/tags/tag101.xml><?xml version="1.0" encoding="utf-8"?>
+<p:tagLst xmlns:p="http://schemas.openxmlformats.org/presentationml/2006/main">
   <p:tag name="KSO_WM_UNIT_PLACING_PICTURE_USER_VIEWPORT" val="{&quot;height&quot;:1012.5968503937007,&quot;width&quot;:2734.4204724409446}"/>
 </p:tagLst>
 </file>
 
-<file path=ppt/tags/tag101.xml><?xml version="1.0" encoding="utf-8"?>
+<file path=ppt/tags/tag102.xml><?xml version="1.0" encoding="utf-8"?>
 <p:tagLst xmlns:p="http://schemas.openxmlformats.org/presentationml/2006/main">
   <p:tag name="KSO_WM_SLIDE_ID" val="custom20205081_1"/>
   <p:tag name="KSO_WM_TEMPLATE_SUBCATEGORY" val="19"/>
@@ -41215,15 +41202,9 @@
 </p:tagLst>
 </file>
 
-<file path=ppt/tags/tag102.xml><?xml version="1.0" encoding="utf-8"?>
+<file path=ppt/tags/tag103.xml><?xml version="1.0" encoding="utf-8"?>
 <p:tagLst xmlns:p="http://schemas.openxmlformats.org/presentationml/2006/main">
   <p:tag name="KSO_WM_UNIT_PLACING_PICTURE_USER_VIEWPORT" val="{&quot;height&quot;:1012.5968503937007,&quot;width&quot;:2734.4204724409446}"/>
-</p:tagLst>
-</file>
-
-<file path=ppt/tags/tag103.xml><?xml version="1.0" encoding="utf-8"?>
-<p:tagLst xmlns:p="http://schemas.openxmlformats.org/presentationml/2006/main">
-  <p:tag name="PA" val="v5.2.11"/>
 </p:tagLst>
 </file>
 
@@ -41314,32 +41295,11 @@
 
 <file path=ppt/tags/tag116.xml><?xml version="1.0" encoding="utf-8"?>
 <p:tagLst xmlns:p="http://schemas.openxmlformats.org/presentationml/2006/main">
-  <p:tag name="KSO_WM_SLIDE_ID" val="custom20205081_1"/>
-  <p:tag name="KSO_WM_TEMPLATE_SUBCATEGORY" val="19"/>
-  <p:tag name="KSO_WM_TEMPLATE_MASTER_TYPE" val="0"/>
-  <p:tag name="KSO_WM_TEMPLATE_COLOR_TYPE" val="1"/>
-  <p:tag name="KSO_WM_SLIDE_TYPE" val="title"/>
-  <p:tag name="KSO_WM_SLIDE_SUBTYPE" val="defaultBlank"/>
-  <p:tag name="KSO_WM_SLIDE_ITEM_CNT" val="0"/>
-  <p:tag name="KSO_WM_SLIDE_INDEX" val="1"/>
-  <p:tag name="KSO_WM_TAG_VERSION" val="1.0"/>
-  <p:tag name="KSO_WM_BEAUTIFY_FLAG" val="#wm#"/>
-  <p:tag name="KSO_WM_TEMPLATE_CATEGORY" val="custom"/>
-  <p:tag name="KSO_WM_TEMPLATE_INDEX" val="20205081"/>
-  <p:tag name="KSO_WM_SLIDE_LAYOUT" val="a_b"/>
-  <p:tag name="KSO_WM_SLIDE_LAYOUT_CNT" val="1_1"/>
-  <p:tag name="KSO_WM_UNIT_SHOW_EDIT_AREA_INDICATION" val="1"/>
-  <p:tag name="KSO_WM_TEMPLATE_THUMBS_INDEX" val="1、4、7、12、13、14、15、16、17、18、20、24、25、28、33、36、40、43、44"/>
+  <p:tag name="PA" val="v5.2.11"/>
 </p:tagLst>
 </file>
 
 <file path=ppt/tags/tag117.xml><?xml version="1.0" encoding="utf-8"?>
-<p:tagLst xmlns:p="http://schemas.openxmlformats.org/presentationml/2006/main">
-  <p:tag name="KSO_WM_UNIT_PLACING_PICTURE_USER_VIEWPORT" val="{&quot;height&quot;:1012.5968503937007,&quot;width&quot;:2734.4204724409446}"/>
-</p:tagLst>
-</file>
-
-<file path=ppt/tags/tag118.xml><?xml version="1.0" encoding="utf-8"?>
 <p:tagLst xmlns:p="http://schemas.openxmlformats.org/presentationml/2006/main">
   <p:tag name="KSO_WM_SLIDE_ID" val="custom20205081_1"/>
   <p:tag name="KSO_WM_TEMPLATE_SUBCATEGORY" val="19"/>
@@ -41360,9 +41320,30 @@
 </p:tagLst>
 </file>
 
+<file path=ppt/tags/tag118.xml><?xml version="1.0" encoding="utf-8"?>
+<p:tagLst xmlns:p="http://schemas.openxmlformats.org/presentationml/2006/main">
+  <p:tag name="KSO_WM_UNIT_PLACING_PICTURE_USER_VIEWPORT" val="{&quot;height&quot;:1012.5968503937007,&quot;width&quot;:2734.4204724409446}"/>
+</p:tagLst>
+</file>
+
 <file path=ppt/tags/tag119.xml><?xml version="1.0" encoding="utf-8"?>
 <p:tagLst xmlns:p="http://schemas.openxmlformats.org/presentationml/2006/main">
-  <p:tag name="KSO_WM_UNIT_PLACING_PICTURE_USER_VIEWPORT" val="{&quot;height&quot;:1012.5968503937007,&quot;width&quot;:2734.4204724409446}"/>
+  <p:tag name="KSO_WM_SLIDE_ID" val="custom20205081_1"/>
+  <p:tag name="KSO_WM_TEMPLATE_SUBCATEGORY" val="19"/>
+  <p:tag name="KSO_WM_TEMPLATE_MASTER_TYPE" val="0"/>
+  <p:tag name="KSO_WM_TEMPLATE_COLOR_TYPE" val="1"/>
+  <p:tag name="KSO_WM_SLIDE_TYPE" val="title"/>
+  <p:tag name="KSO_WM_SLIDE_SUBTYPE" val="defaultBlank"/>
+  <p:tag name="KSO_WM_SLIDE_ITEM_CNT" val="0"/>
+  <p:tag name="KSO_WM_SLIDE_INDEX" val="1"/>
+  <p:tag name="KSO_WM_TAG_VERSION" val="1.0"/>
+  <p:tag name="KSO_WM_BEAUTIFY_FLAG" val="#wm#"/>
+  <p:tag name="KSO_WM_TEMPLATE_CATEGORY" val="custom"/>
+  <p:tag name="KSO_WM_TEMPLATE_INDEX" val="20205081"/>
+  <p:tag name="KSO_WM_SLIDE_LAYOUT" val="a_b"/>
+  <p:tag name="KSO_WM_SLIDE_LAYOUT_CNT" val="1_1"/>
+  <p:tag name="KSO_WM_UNIT_SHOW_EDIT_AREA_INDICATION" val="1"/>
+  <p:tag name="KSO_WM_TEMPLATE_THUMBS_INDEX" val="1、4、7、12、13、14、15、16、17、18、20、24、25、28、33、36、40、43、44"/>
 </p:tagLst>
 </file>
 
@@ -41380,6 +41361,12 @@
 </file>
 
 <file path=ppt/tags/tag120.xml><?xml version="1.0" encoding="utf-8"?>
+<p:tagLst xmlns:p="http://schemas.openxmlformats.org/presentationml/2006/main">
+  <p:tag name="KSO_WM_UNIT_PLACING_PICTURE_USER_VIEWPORT" val="{&quot;height&quot;:1012.5968503937007,&quot;width&quot;:2734.4204724409446}"/>
+</p:tagLst>
+</file>
+
+<file path=ppt/tags/tag121.xml><?xml version="1.0" encoding="utf-8"?>
 <p:tagLst xmlns:p="http://schemas.openxmlformats.org/presentationml/2006/main">
   <p:tag name="KSO_WM_UNIT_ISCONTENTSTITLE" val="0"/>
   <p:tag name="KSO_WM_UNIT_ISNUMDGMTITLE" val="0"/>
@@ -41402,7 +41389,7 @@
 </p:tagLst>
 </file>
 
-<file path=ppt/tags/tag121.xml><?xml version="1.0" encoding="utf-8"?>
+<file path=ppt/tags/tag122.xml><?xml version="1.0" encoding="utf-8"?>
 <p:tagLst xmlns:p="http://schemas.openxmlformats.org/presentationml/2006/main">
   <p:tag name="KSO_WM_SLIDE_ID" val="custom20205081_1"/>
   <p:tag name="KSO_WM_TEMPLATE_SUBCATEGORY" val="19"/>
@@ -41423,9 +41410,10 @@
 </p:tagLst>
 </file>
 
-<file path=ppt/tags/tag122.xml><?xml version="1.0" encoding="utf-8"?>
+<file path=ppt/tags/tag123.xml><?xml version="1.0" encoding="utf-8"?>
 <p:tagLst xmlns:p="http://schemas.openxmlformats.org/presentationml/2006/main">
   <p:tag name="COMMONDATA" val="eyJoZGlkIjoiMzQ3NTc0NTdiMzQ1MTRkZWE3NDllNDYzYzk1MTNlMTMifQ=="/>
+  <p:tag name="KSO_WPP_MARK_KEY" val="d45b125d-7292-4c6d-b002-6494b0091126"/>
 </p:tagLst>
 </file>
 
@@ -42703,22 +42691,7 @@
 
 <file path=ppt/tags/tag99.xml><?xml version="1.0" encoding="utf-8"?>
 <p:tagLst xmlns:p="http://schemas.openxmlformats.org/presentationml/2006/main">
-  <p:tag name="KSO_WM_SLIDE_ID" val="custom20205081_1"/>
-  <p:tag name="KSO_WM_TEMPLATE_SUBCATEGORY" val="19"/>
-  <p:tag name="KSO_WM_TEMPLATE_MASTER_TYPE" val="0"/>
-  <p:tag name="KSO_WM_TEMPLATE_COLOR_TYPE" val="1"/>
-  <p:tag name="KSO_WM_SLIDE_TYPE" val="title"/>
-  <p:tag name="KSO_WM_SLIDE_SUBTYPE" val="defaultBlank"/>
-  <p:tag name="KSO_WM_SLIDE_ITEM_CNT" val="0"/>
-  <p:tag name="KSO_WM_SLIDE_INDEX" val="1"/>
-  <p:tag name="KSO_WM_TAG_VERSION" val="1.0"/>
-  <p:tag name="KSO_WM_BEAUTIFY_FLAG" val="#wm#"/>
-  <p:tag name="KSO_WM_TEMPLATE_CATEGORY" val="custom"/>
-  <p:tag name="KSO_WM_TEMPLATE_INDEX" val="20205081"/>
-  <p:tag name="KSO_WM_SLIDE_LAYOUT" val="a_b"/>
-  <p:tag name="KSO_WM_SLIDE_LAYOUT_CNT" val="1_1"/>
-  <p:tag name="KSO_WM_UNIT_SHOW_EDIT_AREA_INDICATION" val="1"/>
-  <p:tag name="KSO_WM_TEMPLATE_THUMBS_INDEX" val="1、4、7、12、13、14、15、16、17、18、20、24、25、28、33、36、40、43、44"/>
+  <p:tag name="KSO_WM_UNIT_PLACING_PICTURE_USER_VIEWPORT" val="{&quot;height&quot;:8192,&quot;width&quot;:18201}"/>
 </p:tagLst>
 </file>
 
